--- a/CapstoneSlides/CapstoneClass11.pptx
+++ b/CapstoneSlides/CapstoneClass11.pptx
@@ -225,7 +225,7 @@
           <a:p>
             <a:fld id="{C24322AF-E05B-7249-906C-FBAC6154C037}" type="datetimeFigureOut">
               <a:rPr lang="en-US" smtClean="0"/>
-              <a:t>6/18/25</a:t>
+              <a:t>6/19/25</a:t>
             </a:fld>
             <a:endParaRPr lang="en-US"/>
           </a:p>
@@ -391,7 +391,7 @@
             <a:fld id="{06A43BE5-3BD4-F642-8751-88A31D8D6D13}" type="datetimeFigureOut">
               <a:rPr lang="en-US" smtClean="0"/>
               <a:pPr/>
-              <a:t>6/18/25</a:t>
+              <a:t>6/19/25</a:t>
             </a:fld>
             <a:endParaRPr lang="en-US"/>
           </a:p>
@@ -934,7 +934,7 @@
             <a:fld id="{A4FA2B0E-4818-9849-9CF1-1031FD4E1DAB}" type="datetimeFigureOut">
               <a:rPr lang="en-US" smtClean="0"/>
               <a:pPr/>
-              <a:t>6/18/25</a:t>
+              <a:t>6/19/25</a:t>
             </a:fld>
             <a:endParaRPr lang="en-US"/>
           </a:p>
@@ -1099,7 +1099,7 @@
             <a:fld id="{A4FA2B0E-4818-9849-9CF1-1031FD4E1DAB}" type="datetimeFigureOut">
               <a:rPr lang="en-US" smtClean="0"/>
               <a:pPr/>
-              <a:t>6/18/25</a:t>
+              <a:t>6/19/25</a:t>
             </a:fld>
             <a:endParaRPr lang="en-US"/>
           </a:p>
@@ -1274,7 +1274,7 @@
             <a:fld id="{A4FA2B0E-4818-9849-9CF1-1031FD4E1DAB}" type="datetimeFigureOut">
               <a:rPr lang="en-US" smtClean="0"/>
               <a:pPr/>
-              <a:t>6/18/25</a:t>
+              <a:t>6/19/25</a:t>
             </a:fld>
             <a:endParaRPr lang="en-US"/>
           </a:p>
@@ -1439,7 +1439,7 @@
             <a:fld id="{A4FA2B0E-4818-9849-9CF1-1031FD4E1DAB}" type="datetimeFigureOut">
               <a:rPr lang="en-US" smtClean="0"/>
               <a:pPr/>
-              <a:t>6/18/25</a:t>
+              <a:t>6/19/25</a:t>
             </a:fld>
             <a:endParaRPr lang="en-US"/>
           </a:p>
@@ -1681,7 +1681,7 @@
             <a:fld id="{A4FA2B0E-4818-9849-9CF1-1031FD4E1DAB}" type="datetimeFigureOut">
               <a:rPr lang="en-US" smtClean="0"/>
               <a:pPr/>
-              <a:t>6/18/25</a:t>
+              <a:t>6/19/25</a:t>
             </a:fld>
             <a:endParaRPr lang="en-US"/>
           </a:p>
@@ -1963,7 +1963,7 @@
             <a:fld id="{A4FA2B0E-4818-9849-9CF1-1031FD4E1DAB}" type="datetimeFigureOut">
               <a:rPr lang="en-US" smtClean="0"/>
               <a:pPr/>
-              <a:t>6/18/25</a:t>
+              <a:t>6/19/25</a:t>
             </a:fld>
             <a:endParaRPr lang="en-US"/>
           </a:p>
@@ -2379,7 +2379,7 @@
             <a:fld id="{A4FA2B0E-4818-9849-9CF1-1031FD4E1DAB}" type="datetimeFigureOut">
               <a:rPr lang="en-US" smtClean="0"/>
               <a:pPr/>
-              <a:t>6/18/25</a:t>
+              <a:t>6/19/25</a:t>
             </a:fld>
             <a:endParaRPr lang="en-US"/>
           </a:p>
@@ -2493,7 +2493,7 @@
             <a:fld id="{A4FA2B0E-4818-9849-9CF1-1031FD4E1DAB}" type="datetimeFigureOut">
               <a:rPr lang="en-US" smtClean="0"/>
               <a:pPr/>
-              <a:t>6/18/25</a:t>
+              <a:t>6/19/25</a:t>
             </a:fld>
             <a:endParaRPr lang="en-US"/>
           </a:p>
@@ -2585,7 +2585,7 @@
             <a:fld id="{A4FA2B0E-4818-9849-9CF1-1031FD4E1DAB}" type="datetimeFigureOut">
               <a:rPr lang="en-US" smtClean="0"/>
               <a:pPr/>
-              <a:t>6/18/25</a:t>
+              <a:t>6/19/25</a:t>
             </a:fld>
             <a:endParaRPr lang="en-US"/>
           </a:p>
@@ -2857,7 +2857,7 @@
             <a:fld id="{A4FA2B0E-4818-9849-9CF1-1031FD4E1DAB}" type="datetimeFigureOut">
               <a:rPr lang="en-US" smtClean="0"/>
               <a:pPr/>
-              <a:t>6/18/25</a:t>
+              <a:t>6/19/25</a:t>
             </a:fld>
             <a:endParaRPr lang="en-US"/>
           </a:p>
@@ -3106,7 +3106,7 @@
             <a:fld id="{A4FA2B0E-4818-9849-9CF1-1031FD4E1DAB}" type="datetimeFigureOut">
               <a:rPr lang="en-US" smtClean="0"/>
               <a:pPr/>
-              <a:t>6/18/25</a:t>
+              <a:t>6/19/25</a:t>
             </a:fld>
             <a:endParaRPr lang="en-US"/>
           </a:p>
@@ -3314,7 +3314,7 @@
             <a:fld id="{A4FA2B0E-4818-9849-9CF1-1031FD4E1DAB}" type="datetimeFigureOut">
               <a:rPr lang="en-US" smtClean="0"/>
               <a:pPr/>
-              <a:t>6/18/25</a:t>
+              <a:t>6/19/25</a:t>
             </a:fld>
             <a:endParaRPr lang="en-US"/>
           </a:p>
@@ -3745,7 +3745,7 @@
                 <a:latin typeface="Times New Roman"/>
                 <a:cs typeface="Times New Roman"/>
               </a:rPr>
-              <a:t>Class #18</a:t>
+              <a:t>Class #11</a:t>
             </a:r>
           </a:p>
           <a:p>
